--- a/Reporting/overview.pptx
+++ b/Reporting/overview.pptx
@@ -243,7 +243,7 @@
           <a:p>
             <a:fld id="{7654158C-748D-4D3B-BCF5-E3A3A7D42C30}" type="datetimeFigureOut">
               <a:rPr lang="de-DE" smtClean="0"/>
-              <a:t>29.01.2018</a:t>
+              <a:t>30.01.2018</a:t>
             </a:fld>
             <a:endParaRPr lang="de-DE"/>
           </a:p>
@@ -413,7 +413,7 @@
           <a:p>
             <a:fld id="{7654158C-748D-4D3B-BCF5-E3A3A7D42C30}" type="datetimeFigureOut">
               <a:rPr lang="de-DE" smtClean="0"/>
-              <a:t>29.01.2018</a:t>
+              <a:t>30.01.2018</a:t>
             </a:fld>
             <a:endParaRPr lang="de-DE"/>
           </a:p>
@@ -593,7 +593,7 @@
           <a:p>
             <a:fld id="{7654158C-748D-4D3B-BCF5-E3A3A7D42C30}" type="datetimeFigureOut">
               <a:rPr lang="de-DE" smtClean="0"/>
-              <a:t>29.01.2018</a:t>
+              <a:t>30.01.2018</a:t>
             </a:fld>
             <a:endParaRPr lang="de-DE"/>
           </a:p>
@@ -763,7 +763,7 @@
           <a:p>
             <a:fld id="{7654158C-748D-4D3B-BCF5-E3A3A7D42C30}" type="datetimeFigureOut">
               <a:rPr lang="de-DE" smtClean="0"/>
-              <a:t>29.01.2018</a:t>
+              <a:t>30.01.2018</a:t>
             </a:fld>
             <a:endParaRPr lang="de-DE"/>
           </a:p>
@@ -1007,7 +1007,7 @@
           <a:p>
             <a:fld id="{7654158C-748D-4D3B-BCF5-E3A3A7D42C30}" type="datetimeFigureOut">
               <a:rPr lang="de-DE" smtClean="0"/>
-              <a:t>29.01.2018</a:t>
+              <a:t>30.01.2018</a:t>
             </a:fld>
             <a:endParaRPr lang="de-DE"/>
           </a:p>
@@ -1239,7 +1239,7 @@
           <a:p>
             <a:fld id="{7654158C-748D-4D3B-BCF5-E3A3A7D42C30}" type="datetimeFigureOut">
               <a:rPr lang="de-DE" smtClean="0"/>
-              <a:t>29.01.2018</a:t>
+              <a:t>30.01.2018</a:t>
             </a:fld>
             <a:endParaRPr lang="de-DE"/>
           </a:p>
@@ -1606,7 +1606,7 @@
           <a:p>
             <a:fld id="{7654158C-748D-4D3B-BCF5-E3A3A7D42C30}" type="datetimeFigureOut">
               <a:rPr lang="de-DE" smtClean="0"/>
-              <a:t>29.01.2018</a:t>
+              <a:t>30.01.2018</a:t>
             </a:fld>
             <a:endParaRPr lang="de-DE"/>
           </a:p>
@@ -1724,7 +1724,7 @@
           <a:p>
             <a:fld id="{7654158C-748D-4D3B-BCF5-E3A3A7D42C30}" type="datetimeFigureOut">
               <a:rPr lang="de-DE" smtClean="0"/>
-              <a:t>29.01.2018</a:t>
+              <a:t>30.01.2018</a:t>
             </a:fld>
             <a:endParaRPr lang="de-DE"/>
           </a:p>
@@ -1819,7 +1819,7 @@
           <a:p>
             <a:fld id="{7654158C-748D-4D3B-BCF5-E3A3A7D42C30}" type="datetimeFigureOut">
               <a:rPr lang="de-DE" smtClean="0"/>
-              <a:t>29.01.2018</a:t>
+              <a:t>30.01.2018</a:t>
             </a:fld>
             <a:endParaRPr lang="de-DE"/>
           </a:p>
@@ -2096,7 +2096,7 @@
           <a:p>
             <a:fld id="{7654158C-748D-4D3B-BCF5-E3A3A7D42C30}" type="datetimeFigureOut">
               <a:rPr lang="de-DE" smtClean="0"/>
-              <a:t>29.01.2018</a:t>
+              <a:t>30.01.2018</a:t>
             </a:fld>
             <a:endParaRPr lang="de-DE"/>
           </a:p>
@@ -2353,7 +2353,7 @@
           <a:p>
             <a:fld id="{7654158C-748D-4D3B-BCF5-E3A3A7D42C30}" type="datetimeFigureOut">
               <a:rPr lang="de-DE" smtClean="0"/>
-              <a:t>29.01.2018</a:t>
+              <a:t>30.01.2018</a:t>
             </a:fld>
             <a:endParaRPr lang="de-DE"/>
           </a:p>
@@ -2566,7 +2566,7 @@
           <a:p>
             <a:fld id="{7654158C-748D-4D3B-BCF5-E3A3A7D42C30}" type="datetimeFigureOut">
               <a:rPr lang="de-DE" smtClean="0"/>
-              <a:t>29.01.2018</a:t>
+              <a:t>30.01.2018</a:t>
             </a:fld>
             <a:endParaRPr lang="de-DE"/>
           </a:p>
@@ -3163,8 +3163,8 @@
         </p:nvSpPr>
         <p:spPr>
           <a:xfrm>
-            <a:off x="9205065" y="3316064"/>
-            <a:ext cx="2179215" cy="461665"/>
+            <a:off x="9205065" y="3223730"/>
+            <a:ext cx="2179215" cy="646331"/>
           </a:xfrm>
           <a:prstGeom prst="rect">
             <a:avLst/>
@@ -3201,6 +3201,16 @@
               <a:rPr lang="de-DE" sz="1200" dirty="0" smtClean="0"/>
               <a:t>Twitter-API</a:t>
             </a:r>
+          </a:p>
+          <a:p>
+            <a:pPr marL="171452" indent="-171452">
+              <a:buFont typeface="Calibri" panose="020F0502020204030204" pitchFamily="34" charset="0"/>
+              <a:buChar char="→"/>
+            </a:pPr>
+            <a:r>
+              <a:rPr lang="de-DE" sz="1200" dirty="0" smtClean="0"/>
+              <a:t>Aktienindizes</a:t>
+            </a:r>
             <a:endParaRPr lang="de-DE" sz="1200" dirty="0" smtClean="0"/>
           </a:p>
         </p:txBody>
@@ -3215,9 +3225,9 @@
           <p:nvPr/>
         </p:nvCxnSpPr>
         <p:spPr>
-          <a:xfrm>
-            <a:off x="7788638" y="3546897"/>
-            <a:ext cx="1416427" cy="0"/>
+          <a:xfrm flipV="1">
+            <a:off x="7788638" y="3546896"/>
+            <a:ext cx="1416427" cy="1"/>
           </a:xfrm>
           <a:prstGeom prst="line">
             <a:avLst/>
@@ -3614,11 +3624,7 @@
             </a:pPr>
             <a:r>
               <a:rPr lang="de-DE" sz="1200" dirty="0" smtClean="0"/>
-              <a:t>Vergleich der Wörterb</a:t>
-            </a:r>
-            <a:r>
-              <a:rPr lang="de-DE" sz="1200" dirty="0" smtClean="0"/>
-              <a:t>ücher</a:t>
+              <a:t>Vergleich der Wörterbücher</a:t>
             </a:r>
           </a:p>
           <a:p>
